--- a/lesson2-completed.pptx
+++ b/lesson2-completed.pptx
@@ -207,7 +207,7 @@
           <a:p>
             <a:fld id="{C42528D9-5EC4-471D-8DDC-908F205DEF6D}" type="datetimeFigureOut">
               <a:rPr lang="tr-TR" smtClean="0"/>
-              <a:t>28.01.2022</a:t>
+              <a:t>29.01.2022</a:t>
             </a:fld>
             <a:endParaRPr lang="tr-TR"/>
           </a:p>
@@ -1413,7 +1413,7 @@
           <a:p>
             <a:fld id="{1D8CF9D7-5C29-4171-9BF7-E5C852C5E414}" type="datetimeFigureOut">
               <a:rPr lang="tr-TR" smtClean="0"/>
-              <a:t>28.01.2022</a:t>
+              <a:t>29.01.2022</a:t>
             </a:fld>
             <a:endParaRPr lang="tr-TR"/>
           </a:p>
@@ -1613,7 +1613,7 @@
           <a:p>
             <a:fld id="{1D8CF9D7-5C29-4171-9BF7-E5C852C5E414}" type="datetimeFigureOut">
               <a:rPr lang="tr-TR" smtClean="0"/>
-              <a:t>28.01.2022</a:t>
+              <a:t>29.01.2022</a:t>
             </a:fld>
             <a:endParaRPr lang="tr-TR"/>
           </a:p>
@@ -1823,7 +1823,7 @@
           <a:p>
             <a:fld id="{1D8CF9D7-5C29-4171-9BF7-E5C852C5E414}" type="datetimeFigureOut">
               <a:rPr lang="tr-TR" smtClean="0"/>
-              <a:t>28.01.2022</a:t>
+              <a:t>29.01.2022</a:t>
             </a:fld>
             <a:endParaRPr lang="tr-TR"/>
           </a:p>
@@ -2023,7 +2023,7 @@
           <a:p>
             <a:fld id="{1D8CF9D7-5C29-4171-9BF7-E5C852C5E414}" type="datetimeFigureOut">
               <a:rPr lang="tr-TR" smtClean="0"/>
-              <a:t>28.01.2022</a:t>
+              <a:t>29.01.2022</a:t>
             </a:fld>
             <a:endParaRPr lang="tr-TR"/>
           </a:p>
@@ -2299,7 +2299,7 @@
           <a:p>
             <a:fld id="{1D8CF9D7-5C29-4171-9BF7-E5C852C5E414}" type="datetimeFigureOut">
               <a:rPr lang="tr-TR" smtClean="0"/>
-              <a:t>28.01.2022</a:t>
+              <a:t>29.01.2022</a:t>
             </a:fld>
             <a:endParaRPr lang="tr-TR"/>
           </a:p>
@@ -2567,7 +2567,7 @@
           <a:p>
             <a:fld id="{1D8CF9D7-5C29-4171-9BF7-E5C852C5E414}" type="datetimeFigureOut">
               <a:rPr lang="tr-TR" smtClean="0"/>
-              <a:t>28.01.2022</a:t>
+              <a:t>29.01.2022</a:t>
             </a:fld>
             <a:endParaRPr lang="tr-TR"/>
           </a:p>
@@ -2982,7 +2982,7 @@
           <a:p>
             <a:fld id="{1D8CF9D7-5C29-4171-9BF7-E5C852C5E414}" type="datetimeFigureOut">
               <a:rPr lang="tr-TR" smtClean="0"/>
-              <a:t>28.01.2022</a:t>
+              <a:t>29.01.2022</a:t>
             </a:fld>
             <a:endParaRPr lang="tr-TR"/>
           </a:p>
@@ -3124,7 +3124,7 @@
           <a:p>
             <a:fld id="{1D8CF9D7-5C29-4171-9BF7-E5C852C5E414}" type="datetimeFigureOut">
               <a:rPr lang="tr-TR" smtClean="0"/>
-              <a:t>28.01.2022</a:t>
+              <a:t>29.01.2022</a:t>
             </a:fld>
             <a:endParaRPr lang="tr-TR"/>
           </a:p>
@@ -3237,7 +3237,7 @@
           <a:p>
             <a:fld id="{1D8CF9D7-5C29-4171-9BF7-E5C852C5E414}" type="datetimeFigureOut">
               <a:rPr lang="tr-TR" smtClean="0"/>
-              <a:t>28.01.2022</a:t>
+              <a:t>29.01.2022</a:t>
             </a:fld>
             <a:endParaRPr lang="tr-TR"/>
           </a:p>
@@ -3550,7 +3550,7 @@
           <a:p>
             <a:fld id="{1D8CF9D7-5C29-4171-9BF7-E5C852C5E414}" type="datetimeFigureOut">
               <a:rPr lang="tr-TR" smtClean="0"/>
-              <a:t>28.01.2022</a:t>
+              <a:t>29.01.2022</a:t>
             </a:fld>
             <a:endParaRPr lang="tr-TR"/>
           </a:p>
@@ -3839,7 +3839,7 @@
           <a:p>
             <a:fld id="{1D8CF9D7-5C29-4171-9BF7-E5C852C5E414}" type="datetimeFigureOut">
               <a:rPr lang="tr-TR" smtClean="0"/>
-              <a:t>28.01.2022</a:t>
+              <a:t>29.01.2022</a:t>
             </a:fld>
             <a:endParaRPr lang="tr-TR"/>
           </a:p>
@@ -4082,7 +4082,7 @@
           <a:p>
             <a:fld id="{1D8CF9D7-5C29-4171-9BF7-E5C852C5E414}" type="datetimeFigureOut">
               <a:rPr lang="tr-TR" smtClean="0"/>
-              <a:t>28.01.2022</a:t>
+              <a:t>29.01.2022</a:t>
             </a:fld>
             <a:endParaRPr lang="tr-TR"/>
           </a:p>
@@ -4708,7 +4708,7 @@
           <a:blip r:embed="rId2">
             <a:extLst>
               <a:ext uri="{28A0092B-C50C-407E-A947-70E740481C1C}">
-                <a14:useLocalDpi xmlns:a14="http://schemas.microsoft.com/office/drawing/2010/main" val="0"/>
+                <a14:useLocalDpi xmlns:a14="http://schemas.microsoft.com/office/drawing/2010/main"/>
               </a:ext>
               <a:ext uri="{96DAC541-7B7A-43D3-8B79-37D633B846F1}">
                 <asvg:svgBlip xmlns:asvg="http://schemas.microsoft.com/office/drawing/2016/SVG/main" r:embed="rId3"/>
@@ -4746,13 +4746,13 @@
   <p:clrMapOvr>
     <a:masterClrMapping/>
   </p:clrMapOvr>
-  <mc:AlternateContent xmlns:mc="http://schemas.openxmlformats.org/markup-compatibility/2006">
-    <mc:Choice xmlns:p14="http://schemas.microsoft.com/office/powerpoint/2010/main" Requires="p14">
+  <mc:AlternateContent xmlns:mc="http://schemas.openxmlformats.org/markup-compatibility/2006" xmlns:p14="http://schemas.microsoft.com/office/powerpoint/2010/main">
+    <mc:Choice Requires="p14">
       <p:transition spd="med" p14:dur="700">
         <p:fade/>
       </p:transition>
     </mc:Choice>
-    <mc:Fallback>
+    <mc:Fallback xmlns="">
       <p:transition spd="med">
         <p:fade/>
       </p:transition>
@@ -4859,7 +4859,7 @@
             <a:blip r:embed="rId2">
               <a:extLst>
                 <a:ext uri="{28A0092B-C50C-407E-A947-70E740481C1C}">
-                  <a14:useLocalDpi xmlns:a14="http://schemas.microsoft.com/office/drawing/2010/main" val="0"/>
+                  <a14:useLocalDpi xmlns:a14="http://schemas.microsoft.com/office/drawing/2010/main"/>
                 </a:ext>
                 <a:ext uri="{96DAC541-7B7A-43D3-8B79-37D633B846F1}">
                   <asvg:svgBlip xmlns:asvg="http://schemas.microsoft.com/office/drawing/2016/SVG/main" r:embed="rId3"/>
@@ -6720,13 +6720,13 @@
   <p:clrMapOvr>
     <a:masterClrMapping/>
   </p:clrMapOvr>
-  <mc:AlternateContent xmlns:mc="http://schemas.openxmlformats.org/markup-compatibility/2006">
-    <mc:Choice xmlns:p14="http://schemas.microsoft.com/office/powerpoint/2010/main" Requires="p14">
+  <mc:AlternateContent xmlns:mc="http://schemas.openxmlformats.org/markup-compatibility/2006" xmlns:p14="http://schemas.microsoft.com/office/powerpoint/2010/main">
+    <mc:Choice Requires="p14">
       <p:transition spd="med" p14:dur="700">
         <p:fade/>
       </p:transition>
     </mc:Choice>
-    <mc:Fallback>
+    <mc:Fallback xmlns="">
       <p:transition spd="med">
         <p:fade/>
       </p:transition>
@@ -7264,7 +7264,7 @@
           <p:nvPr/>
         </p:nvPicPr>
         <p:blipFill rotWithShape="1">
-          <a:blip r:embed="rId2">
+          <a:blip r:embed="rId2" cstate="email">
             <a:duotone>
               <a:schemeClr val="accent6">
                 <a:shade val="45000"/>
@@ -7288,9 +7288,12 @@
                   </a14:imgLayer>
                 </a14:imgProps>
               </a:ext>
+              <a:ext uri="{28A0092B-C50C-407E-A947-70E740481C1C}">
+                <a14:useLocalDpi xmlns:a14="http://schemas.microsoft.com/office/drawing/2010/main"/>
+              </a:ext>
             </a:extLst>
           </a:blip>
-          <a:srcRect l="6407" r="45547"/>
+          <a:srcRect/>
           <a:stretch/>
         </p:blipFill>
         <p:spPr>
@@ -7462,7 +7465,7 @@
             <a:blip r:embed="rId4">
               <a:extLst>
                 <a:ext uri="{28A0092B-C50C-407E-A947-70E740481C1C}">
-                  <a14:useLocalDpi xmlns:a14="http://schemas.microsoft.com/office/drawing/2010/main" val="0"/>
+                  <a14:useLocalDpi xmlns:a14="http://schemas.microsoft.com/office/drawing/2010/main"/>
                 </a:ext>
                 <a:ext uri="{96DAC541-7B7A-43D3-8B79-37D633B846F1}">
                   <asvg:svgBlip xmlns:asvg="http://schemas.microsoft.com/office/drawing/2016/SVG/main" r:embed="rId5"/>
@@ -9056,13 +9059,13 @@
   <p:clrMapOvr>
     <a:masterClrMapping/>
   </p:clrMapOvr>
-  <mc:AlternateContent xmlns:mc="http://schemas.openxmlformats.org/markup-compatibility/2006">
-    <mc:Choice xmlns:p14="http://schemas.microsoft.com/office/powerpoint/2010/main" Requires="p14">
+  <mc:AlternateContent xmlns:mc="http://schemas.openxmlformats.org/markup-compatibility/2006" xmlns:p14="http://schemas.microsoft.com/office/powerpoint/2010/main">
+    <mc:Choice Requires="p14">
       <p:transition spd="med" p14:dur="700">
         <p:fade/>
       </p:transition>
     </mc:Choice>
-    <mc:Fallback>
+    <mc:Fallback xmlns="">
       <p:transition spd="med">
         <p:fade/>
       </p:transition>
@@ -9958,7 +9961,7 @@
           <a:blip r:embed="rId3">
             <a:extLst>
               <a:ext uri="{28A0092B-C50C-407E-A947-70E740481C1C}">
-                <a14:useLocalDpi xmlns:a14="http://schemas.microsoft.com/office/drawing/2010/main" val="0"/>
+                <a14:useLocalDpi xmlns:a14="http://schemas.microsoft.com/office/drawing/2010/main"/>
               </a:ext>
               <a:ext uri="{96DAC541-7B7A-43D3-8B79-37D633B846F1}">
                 <asvg:svgBlip xmlns:asvg="http://schemas.microsoft.com/office/drawing/2016/SVG/main" r:embed="rId4"/>
@@ -10092,13 +10095,13 @@
   <p:clrMapOvr>
     <a:masterClrMapping/>
   </p:clrMapOvr>
-  <mc:AlternateContent xmlns:mc="http://schemas.openxmlformats.org/markup-compatibility/2006">
-    <mc:Choice xmlns:p14="http://schemas.microsoft.com/office/powerpoint/2010/main" Requires="p14">
+  <mc:AlternateContent xmlns:mc="http://schemas.openxmlformats.org/markup-compatibility/2006" xmlns:p14="http://schemas.microsoft.com/office/powerpoint/2010/main">
+    <mc:Choice Requires="p14">
       <p:transition spd="med" p14:dur="700">
         <p:fade/>
       </p:transition>
     </mc:Choice>
-    <mc:Fallback>
+    <mc:Fallback xmlns="">
       <p:transition spd="med">
         <p:fade/>
       </p:transition>
@@ -10139,7 +10142,7 @@
           <p:nvPr/>
         </p:nvPicPr>
         <p:blipFill rotWithShape="1">
-          <a:blip r:embed="rId2">
+          <a:blip r:embed="rId2" cstate="email">
             <a:duotone>
               <a:prstClr val="black"/>
               <a:schemeClr val="accent6">
@@ -10147,8 +10150,13 @@
                 <a:satMod val="400000"/>
               </a:schemeClr>
             </a:duotone>
+            <a:extLst>
+              <a:ext uri="{28A0092B-C50C-407E-A947-70E740481C1C}">
+                <a14:useLocalDpi xmlns:a14="http://schemas.microsoft.com/office/drawing/2010/main"/>
+              </a:ext>
+            </a:extLst>
           </a:blip>
-          <a:srcRect b="36400"/>
+          <a:srcRect/>
           <a:stretch/>
         </p:blipFill>
         <p:spPr>
@@ -10268,10 +10276,10 @@
             <p:nvPr/>
           </p:nvPicPr>
           <p:blipFill>
-            <a:blip r:embed="rId3">
+            <a:blip r:embed="rId3" cstate="email">
               <a:extLst>
                 <a:ext uri="{28A0092B-C50C-407E-A947-70E740481C1C}">
-                  <a14:useLocalDpi xmlns:a14="http://schemas.microsoft.com/office/drawing/2010/main" val="0"/>
+                  <a14:useLocalDpi xmlns:a14="http://schemas.microsoft.com/office/drawing/2010/main"/>
                 </a:ext>
                 <a:ext uri="{96DAC541-7B7A-43D3-8B79-37D633B846F1}">
                   <asvg:svgBlip xmlns:asvg="http://schemas.microsoft.com/office/drawing/2016/SVG/main" r:embed="rId4"/>
@@ -10310,13 +10318,13 @@
   <p:clrMapOvr>
     <a:masterClrMapping/>
   </p:clrMapOvr>
-  <mc:AlternateContent xmlns:mc="http://schemas.openxmlformats.org/markup-compatibility/2006">
-    <mc:Choice xmlns:p14="http://schemas.microsoft.com/office/powerpoint/2010/main" Requires="p14">
+  <mc:AlternateContent xmlns:mc="http://schemas.openxmlformats.org/markup-compatibility/2006" xmlns:p14="http://schemas.microsoft.com/office/powerpoint/2010/main">
+    <mc:Choice Requires="p14">
       <p:transition spd="med" p14:dur="700">
         <p:fade/>
       </p:transition>
     </mc:Choice>
-    <mc:Fallback>
+    <mc:Fallback xmlns="">
       <p:transition spd="med">
         <p:fade/>
       </p:transition>
@@ -10876,7 +10884,7 @@
           <a:blip r:embed="rId2">
             <a:extLst>
               <a:ext uri="{28A0092B-C50C-407E-A947-70E740481C1C}">
-                <a14:useLocalDpi xmlns:a14="http://schemas.microsoft.com/office/drawing/2010/main" val="0"/>
+                <a14:useLocalDpi xmlns:a14="http://schemas.microsoft.com/office/drawing/2010/main"/>
               </a:ext>
               <a:ext uri="{96DAC541-7B7A-43D3-8B79-37D633B846F1}">
                 <asvg:svgBlip xmlns:asvg="http://schemas.microsoft.com/office/drawing/2016/SVG/main" r:embed="rId3"/>
@@ -10997,13 +11005,13 @@
   <p:clrMapOvr>
     <a:masterClrMapping/>
   </p:clrMapOvr>
-  <mc:AlternateContent xmlns:mc="http://schemas.openxmlformats.org/markup-compatibility/2006">
-    <mc:Choice xmlns:p14="http://schemas.microsoft.com/office/powerpoint/2010/main" Requires="p14">
+  <mc:AlternateContent xmlns:mc="http://schemas.openxmlformats.org/markup-compatibility/2006" xmlns:p14="http://schemas.microsoft.com/office/powerpoint/2010/main">
+    <mc:Choice Requires="p14">
       <p:transition spd="med" p14:dur="700">
         <p:fade/>
       </p:transition>
     </mc:Choice>
-    <mc:Fallback>
+    <mc:Fallback xmlns="">
       <p:transition spd="med">
         <p:fade/>
       </p:transition>
@@ -11509,7 +11517,7 @@
             <a:blip r:embed="rId2">
               <a:extLst>
                 <a:ext uri="{28A0092B-C50C-407E-A947-70E740481C1C}">
-                  <a14:useLocalDpi xmlns:a14="http://schemas.microsoft.com/office/drawing/2010/main" val="0"/>
+                  <a14:useLocalDpi xmlns:a14="http://schemas.microsoft.com/office/drawing/2010/main"/>
                 </a:ext>
                 <a:ext uri="{96DAC541-7B7A-43D3-8B79-37D633B846F1}">
                   <asvg:svgBlip xmlns:asvg="http://schemas.microsoft.com/office/drawing/2016/SVG/main" r:embed="rId3"/>
@@ -11732,10 +11740,10 @@
             <p:nvPr/>
           </p:nvPicPr>
           <p:blipFill>
-            <a:blip r:embed="rId4">
+            <a:blip r:embed="rId4" cstate="email">
               <a:extLst>
                 <a:ext uri="{28A0092B-C50C-407E-A947-70E740481C1C}">
-                  <a14:useLocalDpi xmlns:a14="http://schemas.microsoft.com/office/drawing/2010/main" val="0"/>
+                  <a14:useLocalDpi xmlns:a14="http://schemas.microsoft.com/office/drawing/2010/main"/>
                 </a:ext>
                 <a:ext uri="{96DAC541-7B7A-43D3-8B79-37D633B846F1}">
                   <asvg:svgBlip xmlns:asvg="http://schemas.microsoft.com/office/drawing/2016/SVG/main" r:embed="rId5"/>
@@ -11853,10 +11861,10 @@
             <p:nvPr/>
           </p:nvPicPr>
           <p:blipFill>
-            <a:blip r:embed="rId6">
+            <a:blip r:embed="rId6" cstate="email">
               <a:extLst>
                 <a:ext uri="{28A0092B-C50C-407E-A947-70E740481C1C}">
-                  <a14:useLocalDpi xmlns:a14="http://schemas.microsoft.com/office/drawing/2010/main" val="0"/>
+                  <a14:useLocalDpi xmlns:a14="http://schemas.microsoft.com/office/drawing/2010/main"/>
                 </a:ext>
                 <a:ext uri="{96DAC541-7B7A-43D3-8B79-37D633B846F1}">
                   <asvg:svgBlip xmlns:asvg="http://schemas.microsoft.com/office/drawing/2016/SVG/main" r:embed="rId7"/>
@@ -11974,10 +11982,10 @@
             <p:nvPr/>
           </p:nvPicPr>
           <p:blipFill>
-            <a:blip r:embed="rId8">
+            <a:blip r:embed="rId8" cstate="email">
               <a:extLst>
                 <a:ext uri="{28A0092B-C50C-407E-A947-70E740481C1C}">
-                  <a14:useLocalDpi xmlns:a14="http://schemas.microsoft.com/office/drawing/2010/main" val="0"/>
+                  <a14:useLocalDpi xmlns:a14="http://schemas.microsoft.com/office/drawing/2010/main"/>
                 </a:ext>
                 <a:ext uri="{96DAC541-7B7A-43D3-8B79-37D633B846F1}">
                   <asvg:svgBlip xmlns:asvg="http://schemas.microsoft.com/office/drawing/2016/SVG/main" r:embed="rId9"/>
@@ -12095,10 +12103,10 @@
             <p:nvPr/>
           </p:nvPicPr>
           <p:blipFill>
-            <a:blip r:embed="rId10">
+            <a:blip r:embed="rId10" cstate="email">
               <a:extLst>
                 <a:ext uri="{28A0092B-C50C-407E-A947-70E740481C1C}">
-                  <a14:useLocalDpi xmlns:a14="http://schemas.microsoft.com/office/drawing/2010/main" val="0"/>
+                  <a14:useLocalDpi xmlns:a14="http://schemas.microsoft.com/office/drawing/2010/main"/>
                 </a:ext>
                 <a:ext uri="{96DAC541-7B7A-43D3-8B79-37D633B846F1}">
                   <asvg:svgBlip xmlns:asvg="http://schemas.microsoft.com/office/drawing/2016/SVG/main" r:embed="rId11"/>
@@ -12216,10 +12224,10 @@
             <p:nvPr/>
           </p:nvPicPr>
           <p:blipFill>
-            <a:blip r:embed="rId12">
+            <a:blip r:embed="rId12" cstate="email">
               <a:extLst>
                 <a:ext uri="{28A0092B-C50C-407E-A947-70E740481C1C}">
-                  <a14:useLocalDpi xmlns:a14="http://schemas.microsoft.com/office/drawing/2010/main" val="0"/>
+                  <a14:useLocalDpi xmlns:a14="http://schemas.microsoft.com/office/drawing/2010/main"/>
                 </a:ext>
                 <a:ext uri="{96DAC541-7B7A-43D3-8B79-37D633B846F1}">
                   <asvg:svgBlip xmlns:asvg="http://schemas.microsoft.com/office/drawing/2016/SVG/main" r:embed="rId13"/>
@@ -12337,10 +12345,10 @@
             <p:nvPr/>
           </p:nvPicPr>
           <p:blipFill>
-            <a:blip r:embed="rId14">
+            <a:blip r:embed="rId14" cstate="email">
               <a:extLst>
                 <a:ext uri="{28A0092B-C50C-407E-A947-70E740481C1C}">
-                  <a14:useLocalDpi xmlns:a14="http://schemas.microsoft.com/office/drawing/2010/main" val="0"/>
+                  <a14:useLocalDpi xmlns:a14="http://schemas.microsoft.com/office/drawing/2010/main"/>
                 </a:ext>
                 <a:ext uri="{96DAC541-7B7A-43D3-8B79-37D633B846F1}">
                   <asvg:svgBlip xmlns:asvg="http://schemas.microsoft.com/office/drawing/2016/SVG/main" r:embed="rId15"/>
@@ -12372,13 +12380,13 @@
   <p:clrMapOvr>
     <a:masterClrMapping/>
   </p:clrMapOvr>
-  <mc:AlternateContent xmlns:mc="http://schemas.openxmlformats.org/markup-compatibility/2006">
-    <mc:Choice xmlns:p14="http://schemas.microsoft.com/office/powerpoint/2010/main" Requires="p14">
+  <mc:AlternateContent xmlns:mc="http://schemas.openxmlformats.org/markup-compatibility/2006" xmlns:p14="http://schemas.microsoft.com/office/powerpoint/2010/main">
+    <mc:Choice Requires="p14">
       <p:transition spd="med" p14:dur="700">
         <p:fade/>
       </p:transition>
     </mc:Choice>
-    <mc:Fallback>
+    <mc:Fallback xmlns="">
       <p:transition spd="med">
         <p:fade/>
       </p:transition>
@@ -13295,7 +13303,7 @@
             <a:blip r:embed="rId2">
               <a:extLst>
                 <a:ext uri="{28A0092B-C50C-407E-A947-70E740481C1C}">
-                  <a14:useLocalDpi xmlns:a14="http://schemas.microsoft.com/office/drawing/2010/main" val="0"/>
+                  <a14:useLocalDpi xmlns:a14="http://schemas.microsoft.com/office/drawing/2010/main"/>
                 </a:ext>
                 <a:ext uri="{96DAC541-7B7A-43D3-8B79-37D633B846F1}">
                   <asvg:svgBlip xmlns:asvg="http://schemas.microsoft.com/office/drawing/2016/SVG/main" r:embed="rId3"/>
@@ -13562,10 +13570,10 @@
             <p:nvPr/>
           </p:nvPicPr>
           <p:blipFill>
-            <a:blip r:embed="rId4">
+            <a:blip r:embed="rId4" cstate="email">
               <a:extLst>
                 <a:ext uri="{28A0092B-C50C-407E-A947-70E740481C1C}">
-                  <a14:useLocalDpi xmlns:a14="http://schemas.microsoft.com/office/drawing/2010/main" val="0"/>
+                  <a14:useLocalDpi xmlns:a14="http://schemas.microsoft.com/office/drawing/2010/main"/>
                 </a:ext>
                 <a:ext uri="{96DAC541-7B7A-43D3-8B79-37D633B846F1}">
                   <asvg:svgBlip xmlns:asvg="http://schemas.microsoft.com/office/drawing/2016/SVG/main" r:embed="rId5"/>
@@ -13891,7 +13899,7 @@
             <a:blip r:embed="rId6">
               <a:extLst>
                 <a:ext uri="{28A0092B-C50C-407E-A947-70E740481C1C}">
-                  <a14:useLocalDpi xmlns:a14="http://schemas.microsoft.com/office/drawing/2010/main" val="0"/>
+                  <a14:useLocalDpi xmlns:a14="http://schemas.microsoft.com/office/drawing/2010/main"/>
                 </a:ext>
                 <a:ext uri="{96DAC541-7B7A-43D3-8B79-37D633B846F1}">
                   <asvg:svgBlip xmlns:asvg="http://schemas.microsoft.com/office/drawing/2016/SVG/main" r:embed="rId7"/>
@@ -14000,10 +14008,10 @@
             <p:nvPr/>
           </p:nvPicPr>
           <p:blipFill>
-            <a:blip r:embed="rId8">
+            <a:blip r:embed="rId8" cstate="email">
               <a:extLst>
                 <a:ext uri="{28A0092B-C50C-407E-A947-70E740481C1C}">
-                  <a14:useLocalDpi xmlns:a14="http://schemas.microsoft.com/office/drawing/2010/main" val="0"/>
+                  <a14:useLocalDpi xmlns:a14="http://schemas.microsoft.com/office/drawing/2010/main"/>
                 </a:ext>
                 <a:ext uri="{96DAC541-7B7A-43D3-8B79-37D633B846F1}">
                   <asvg:svgBlip xmlns:asvg="http://schemas.microsoft.com/office/drawing/2016/SVG/main" r:embed="rId9"/>
@@ -14175,13 +14183,13 @@
   <p:clrMapOvr>
     <a:masterClrMapping/>
   </p:clrMapOvr>
-  <mc:AlternateContent xmlns:mc="http://schemas.openxmlformats.org/markup-compatibility/2006">
-    <mc:Choice xmlns:p14="http://schemas.microsoft.com/office/powerpoint/2010/main" Requires="p14">
+  <mc:AlternateContent xmlns:mc="http://schemas.openxmlformats.org/markup-compatibility/2006" xmlns:p14="http://schemas.microsoft.com/office/powerpoint/2010/main">
+    <mc:Choice Requires="p14">
       <p:transition spd="med" p14:dur="700">
         <p:fade/>
       </p:transition>
     </mc:Choice>
-    <mc:Fallback>
+    <mc:Fallback xmlns="">
       <p:transition spd="med">
         <p:fade/>
       </p:transition>
@@ -15129,7 +15137,7 @@
           <a:blip r:embed="rId2">
             <a:extLst>
               <a:ext uri="{28A0092B-C50C-407E-A947-70E740481C1C}">
-                <a14:useLocalDpi xmlns:a14="http://schemas.microsoft.com/office/drawing/2010/main" val="0"/>
+                <a14:useLocalDpi xmlns:a14="http://schemas.microsoft.com/office/drawing/2010/main"/>
               </a:ext>
               <a:ext uri="{96DAC541-7B7A-43D3-8B79-37D633B846F1}">
                 <asvg:svgBlip xmlns:asvg="http://schemas.microsoft.com/office/drawing/2016/SVG/main" r:embed="rId3"/>
@@ -15607,7 +15615,7 @@
             <a:blip r:embed="rId4">
               <a:extLst>
                 <a:ext uri="{28A0092B-C50C-407E-A947-70E740481C1C}">
-                  <a14:useLocalDpi xmlns:a14="http://schemas.microsoft.com/office/drawing/2010/main" val="0"/>
+                  <a14:useLocalDpi xmlns:a14="http://schemas.microsoft.com/office/drawing/2010/main"/>
                 </a:ext>
                 <a:ext uri="{96DAC541-7B7A-43D3-8B79-37D633B846F1}">
                   <asvg:svgBlip xmlns:asvg="http://schemas.microsoft.com/office/drawing/2016/SVG/main" r:embed="rId5"/>
@@ -15716,10 +15724,10 @@
             <p:nvPr/>
           </p:nvPicPr>
           <p:blipFill>
-            <a:blip r:embed="rId6">
+            <a:blip r:embed="rId6" cstate="email">
               <a:extLst>
                 <a:ext uri="{28A0092B-C50C-407E-A947-70E740481C1C}">
-                  <a14:useLocalDpi xmlns:a14="http://schemas.microsoft.com/office/drawing/2010/main" val="0"/>
+                  <a14:useLocalDpi xmlns:a14="http://schemas.microsoft.com/office/drawing/2010/main"/>
                 </a:ext>
                 <a:ext uri="{96DAC541-7B7A-43D3-8B79-37D633B846F1}">
                   <asvg:svgBlip xmlns:asvg="http://schemas.microsoft.com/office/drawing/2016/SVG/main" r:embed="rId7"/>
@@ -16611,7 +16619,7 @@
             <a:blip r:embed="rId3">
               <a:extLst>
                 <a:ext uri="{28A0092B-C50C-407E-A947-70E740481C1C}">
-                  <a14:useLocalDpi xmlns:a14="http://schemas.microsoft.com/office/drawing/2010/main" val="0"/>
+                  <a14:useLocalDpi xmlns:a14="http://schemas.microsoft.com/office/drawing/2010/main"/>
                 </a:ext>
                 <a:ext uri="{96DAC541-7B7A-43D3-8B79-37D633B846F1}">
                   <asvg:svgBlip xmlns:asvg="http://schemas.microsoft.com/office/drawing/2016/SVG/main" r:embed="rId4"/>
@@ -17232,10 +17240,10 @@
             <p:nvPr/>
           </p:nvPicPr>
           <p:blipFill>
-            <a:blip r:embed="rId5">
+            <a:blip r:embed="rId5" cstate="email">
               <a:extLst>
                 <a:ext uri="{28A0092B-C50C-407E-A947-70E740481C1C}">
-                  <a14:useLocalDpi xmlns:a14="http://schemas.microsoft.com/office/drawing/2010/main" val="0"/>
+                  <a14:useLocalDpi xmlns:a14="http://schemas.microsoft.com/office/drawing/2010/main"/>
                 </a:ext>
                 <a:ext uri="{96DAC541-7B7A-43D3-8B79-37D633B846F1}">
                   <asvg:svgBlip xmlns:asvg="http://schemas.microsoft.com/office/drawing/2016/SVG/main" r:embed="rId6"/>
@@ -17709,10 +17717,10 @@
             <p:nvPr/>
           </p:nvPicPr>
           <p:blipFill>
-            <a:blip r:embed="rId7">
+            <a:blip r:embed="rId7" cstate="email">
               <a:extLst>
                 <a:ext uri="{28A0092B-C50C-407E-A947-70E740481C1C}">
-                  <a14:useLocalDpi xmlns:a14="http://schemas.microsoft.com/office/drawing/2010/main" val="0"/>
+                  <a14:useLocalDpi xmlns:a14="http://schemas.microsoft.com/office/drawing/2010/main"/>
                 </a:ext>
                 <a:ext uri="{96DAC541-7B7A-43D3-8B79-37D633B846F1}">
                   <asvg:svgBlip xmlns:asvg="http://schemas.microsoft.com/office/drawing/2016/SVG/main" r:embed="rId8"/>
@@ -17824,7 +17832,7 @@
             <a:blip r:embed="rId9">
               <a:extLst>
                 <a:ext uri="{28A0092B-C50C-407E-A947-70E740481C1C}">
-                  <a14:useLocalDpi xmlns:a14="http://schemas.microsoft.com/office/drawing/2010/main" val="0"/>
+                  <a14:useLocalDpi xmlns:a14="http://schemas.microsoft.com/office/drawing/2010/main"/>
                 </a:ext>
                 <a:ext uri="{96DAC541-7B7A-43D3-8B79-37D633B846F1}">
                   <asvg:svgBlip xmlns:asvg="http://schemas.microsoft.com/office/drawing/2016/SVG/main" r:embed="rId10"/>
@@ -17856,13 +17864,13 @@
   <p:clrMapOvr>
     <a:masterClrMapping/>
   </p:clrMapOvr>
-  <mc:AlternateContent xmlns:mc="http://schemas.openxmlformats.org/markup-compatibility/2006">
-    <mc:Choice xmlns:p14="http://schemas.microsoft.com/office/powerpoint/2010/main" Requires="p14">
+  <mc:AlternateContent xmlns:mc="http://schemas.openxmlformats.org/markup-compatibility/2006" xmlns:p14="http://schemas.microsoft.com/office/powerpoint/2010/main">
+    <mc:Choice Requires="p14">
       <p:transition spd="med" p14:dur="700">
         <p:fade/>
       </p:transition>
     </mc:Choice>
-    <mc:Fallback>
+    <mc:Fallback xmlns="">
       <p:transition spd="med">
         <p:fade/>
       </p:transition>
@@ -19414,7 +19422,7 @@
           <a:blip r:embed="rId2">
             <a:extLst>
               <a:ext uri="{28A0092B-C50C-407E-A947-70E740481C1C}">
-                <a14:useLocalDpi xmlns:a14="http://schemas.microsoft.com/office/drawing/2010/main" val="0"/>
+                <a14:useLocalDpi xmlns:a14="http://schemas.microsoft.com/office/drawing/2010/main"/>
               </a:ext>
               <a:ext uri="{96DAC541-7B7A-43D3-8B79-37D633B846F1}">
                 <asvg:svgBlip xmlns:asvg="http://schemas.microsoft.com/office/drawing/2016/SVG/main" r:embed="rId3"/>
@@ -19680,13 +19688,13 @@
   <p:clrMapOvr>
     <a:masterClrMapping/>
   </p:clrMapOvr>
-  <mc:AlternateContent xmlns:mc="http://schemas.openxmlformats.org/markup-compatibility/2006">
-    <mc:Choice xmlns:p14="http://schemas.microsoft.com/office/powerpoint/2010/main" Requires="p14">
+  <mc:AlternateContent xmlns:mc="http://schemas.openxmlformats.org/markup-compatibility/2006" xmlns:p14="http://schemas.microsoft.com/office/powerpoint/2010/main">
+    <mc:Choice Requires="p14">
       <p:transition spd="med" p14:dur="700">
         <p:fade/>
       </p:transition>
     </mc:Choice>
-    <mc:Fallback>
+    <mc:Fallback xmlns="">
       <p:transition spd="med">
         <p:fade/>
       </p:transition>
